--- a/UnityEngineClientApp/Teach.pptx
+++ b/UnityEngineClientApp/Teach.pptx
@@ -6964,7 +6964,7 @@
         </p:blipFill>
         <p:spPr>
           <a:xfrm>
-            <a:off x="5808018" y="3533955"/>
+            <a:off x="5763872" y="3533955"/>
             <a:ext cx="2149004" cy="3236049"/>
           </a:xfrm>
           <a:prstGeom prst="rect">
@@ -7064,8 +7064,8 @@
         </p:nvSpPr>
         <p:spPr>
           <a:xfrm>
-            <a:off x="6375863" y="4771505"/>
-            <a:ext cx="1371600" cy="1820488"/>
+            <a:off x="6375863" y="4530436"/>
+            <a:ext cx="1371600" cy="2061557"/>
           </a:xfrm>
           <a:prstGeom prst="rect">
             <a:avLst/>
@@ -7147,7 +7147,7 @@
         </p:nvSpPr>
         <p:spPr>
           <a:xfrm>
-            <a:off x="7690830" y="4265141"/>
+            <a:off x="7714146" y="4135057"/>
             <a:ext cx="547083" cy="328353"/>
           </a:xfrm>
           <a:prstGeom prst="rightArrow">
@@ -7587,10 +7587,10 @@
       </p:sp>
       <p:pic>
         <p:nvPicPr>
-          <p:cNvPr id="15" name="圖片 14">
+          <p:cNvPr id="23" name="圖片 22">
             <a:extLst>
               <a:ext uri="{FF2B5EF4-FFF2-40B4-BE49-F238E27FC236}">
-                <a16:creationId xmlns:a16="http://schemas.microsoft.com/office/drawing/2014/main" id="{847493F9-3117-4A9E-8AC5-108ADC2BCB19}"/>
+                <a16:creationId xmlns:a16="http://schemas.microsoft.com/office/drawing/2014/main" id="{73FBFF15-1930-4C3F-B899-3FDF15BD42BE}"/>
               </a:ext>
             </a:extLst>
           </p:cNvPr>
@@ -7607,20 +7607,342 @@
         </p:blipFill>
         <p:spPr>
           <a:xfrm>
-            <a:off x="7559451" y="620394"/>
-            <a:ext cx="3697388" cy="6086738"/>
+            <a:off x="200016" y="911529"/>
+            <a:ext cx="7226857" cy="4857503"/>
           </a:xfrm>
           <a:prstGeom prst="rect">
             <a:avLst/>
           </a:prstGeom>
         </p:spPr>
       </p:pic>
+      <p:sp>
+        <p:nvSpPr>
+          <p:cNvPr id="25" name="文字方塊 24">
+            <a:extLst>
+              <a:ext uri="{FF2B5EF4-FFF2-40B4-BE49-F238E27FC236}">
+                <a16:creationId xmlns:a16="http://schemas.microsoft.com/office/drawing/2014/main" id="{6EC1297D-B54D-4FDE-A5F2-2A8CA68A315B}"/>
+              </a:ext>
+            </a:extLst>
+          </p:cNvPr>
+          <p:cNvSpPr txBox="1"/>
+          <p:nvPr/>
+        </p:nvSpPr>
+        <p:spPr>
+          <a:xfrm>
+            <a:off x="200016" y="5843849"/>
+            <a:ext cx="7226856" cy="830997"/>
+          </a:xfrm>
+          <a:prstGeom prst="rect">
+            <a:avLst/>
+          </a:prstGeom>
+          <a:solidFill>
+            <a:schemeClr val="bg1">
+              <a:lumMod val="85000"/>
+            </a:schemeClr>
+          </a:solidFill>
+        </p:spPr>
+        <p:txBody>
+          <a:bodyPr wrap="square">
+            <a:spAutoFit/>
+          </a:bodyPr>
+          <a:lstStyle/>
+          <a:p>
+            <a:r>
+              <a:rPr lang="en-US" altLang="zh-TW" sz="1200" dirty="0">
+                <a:solidFill>
+                  <a:srgbClr val="0000FF"/>
+                </a:solidFill>
+                <a:latin typeface="細明體" panose="02020509000000000000" pitchFamily="49" charset="-120"/>
+                <a:ea typeface="細明體" panose="02020509000000000000" pitchFamily="49" charset="-120"/>
+              </a:rPr>
+              <a:t>public</a:t>
+            </a:r>
+            <a:r>
+              <a:rPr lang="en-US" altLang="zh-TW" sz="1200" dirty="0">
+                <a:solidFill>
+                  <a:srgbClr val="000000"/>
+                </a:solidFill>
+                <a:latin typeface="細明體" panose="02020509000000000000" pitchFamily="49" charset="-120"/>
+                <a:ea typeface="細明體" panose="02020509000000000000" pitchFamily="49" charset="-120"/>
+              </a:rPr>
+              <a:t> </a:t>
+            </a:r>
+            <a:r>
+              <a:rPr lang="en-US" altLang="zh-TW" sz="1200" dirty="0" err="1">
+                <a:solidFill>
+                  <a:srgbClr val="000000"/>
+                </a:solidFill>
+                <a:latin typeface="細明體" panose="02020509000000000000" pitchFamily="49" charset="-120"/>
+                <a:ea typeface="細明體" panose="02020509000000000000" pitchFamily="49" charset="-120"/>
+              </a:rPr>
+              <a:t>ToggleGroup</a:t>
+            </a:r>
+            <a:r>
+              <a:rPr lang="en-US" altLang="zh-TW" sz="1200" dirty="0">
+                <a:solidFill>
+                  <a:srgbClr val="000000"/>
+                </a:solidFill>
+                <a:latin typeface="細明體" panose="02020509000000000000" pitchFamily="49" charset="-120"/>
+                <a:ea typeface="細明體" panose="02020509000000000000" pitchFamily="49" charset="-120"/>
+              </a:rPr>
+              <a:t> </a:t>
+            </a:r>
+            <a:r>
+              <a:rPr lang="en-US" altLang="zh-TW" sz="1200" dirty="0" err="1">
+                <a:solidFill>
+                  <a:srgbClr val="000000"/>
+                </a:solidFill>
+                <a:latin typeface="細明體" panose="02020509000000000000" pitchFamily="49" charset="-120"/>
+                <a:ea typeface="細明體" panose="02020509000000000000" pitchFamily="49" charset="-120"/>
+              </a:rPr>
+              <a:t>ToggleGroupGender</a:t>
+            </a:r>
+            <a:r>
+              <a:rPr lang="en-US" altLang="zh-TW" sz="1200" dirty="0">
+                <a:solidFill>
+                  <a:srgbClr val="000000"/>
+                </a:solidFill>
+                <a:latin typeface="細明體" panose="02020509000000000000" pitchFamily="49" charset="-120"/>
+                <a:ea typeface="細明體" panose="02020509000000000000" pitchFamily="49" charset="-120"/>
+              </a:rPr>
+              <a:t>;</a:t>
+            </a:r>
+          </a:p>
+          <a:p>
+            <a:r>
+              <a:rPr lang="en-US" altLang="zh-TW" sz="1200" dirty="0">
+                <a:solidFill>
+                  <a:srgbClr val="0000FF"/>
+                </a:solidFill>
+                <a:latin typeface="細明體" panose="02020509000000000000" pitchFamily="49" charset="-120"/>
+                <a:ea typeface="細明體" panose="02020509000000000000" pitchFamily="49" charset="-120"/>
+              </a:rPr>
+              <a:t>public</a:t>
+            </a:r>
+            <a:r>
+              <a:rPr lang="en-US" altLang="zh-TW" sz="1200" dirty="0">
+                <a:solidFill>
+                  <a:srgbClr val="000000"/>
+                </a:solidFill>
+                <a:latin typeface="細明體" panose="02020509000000000000" pitchFamily="49" charset="-120"/>
+                <a:ea typeface="細明體" panose="02020509000000000000" pitchFamily="49" charset="-120"/>
+              </a:rPr>
+              <a:t> </a:t>
+            </a:r>
+            <a:r>
+              <a:rPr lang="en-US" altLang="zh-TW" sz="1200" dirty="0" err="1">
+                <a:solidFill>
+                  <a:srgbClr val="000000"/>
+                </a:solidFill>
+                <a:latin typeface="細明體" panose="02020509000000000000" pitchFamily="49" charset="-120"/>
+                <a:ea typeface="細明體" panose="02020509000000000000" pitchFamily="49" charset="-120"/>
+              </a:rPr>
+              <a:t>InputField</a:t>
+            </a:r>
+            <a:r>
+              <a:rPr lang="en-US" altLang="zh-TW" sz="1200" dirty="0">
+                <a:solidFill>
+                  <a:srgbClr val="000000"/>
+                </a:solidFill>
+                <a:latin typeface="細明體" panose="02020509000000000000" pitchFamily="49" charset="-120"/>
+                <a:ea typeface="細明體" panose="02020509000000000000" pitchFamily="49" charset="-120"/>
+              </a:rPr>
+              <a:t> </a:t>
+            </a:r>
+            <a:r>
+              <a:rPr lang="en-US" altLang="zh-TW" sz="1200" dirty="0" err="1">
+                <a:solidFill>
+                  <a:srgbClr val="000000"/>
+                </a:solidFill>
+                <a:latin typeface="細明體" panose="02020509000000000000" pitchFamily="49" charset="-120"/>
+                <a:ea typeface="細明體" panose="02020509000000000000" pitchFamily="49" charset="-120"/>
+              </a:rPr>
+              <a:t>InputName</a:t>
+            </a:r>
+            <a:r>
+              <a:rPr lang="en-US" altLang="zh-TW" sz="1200" dirty="0">
+                <a:solidFill>
+                  <a:srgbClr val="000000"/>
+                </a:solidFill>
+                <a:latin typeface="細明體" panose="02020509000000000000" pitchFamily="49" charset="-120"/>
+                <a:ea typeface="細明體" panose="02020509000000000000" pitchFamily="49" charset="-120"/>
+              </a:rPr>
+              <a:t>, </a:t>
+            </a:r>
+            <a:r>
+              <a:rPr lang="en-US" altLang="zh-TW" sz="1200" dirty="0" err="1">
+                <a:solidFill>
+                  <a:srgbClr val="000000"/>
+                </a:solidFill>
+                <a:latin typeface="細明體" panose="02020509000000000000" pitchFamily="49" charset="-120"/>
+                <a:ea typeface="細明體" panose="02020509000000000000" pitchFamily="49" charset="-120"/>
+              </a:rPr>
+              <a:t>InputPassword</a:t>
+            </a:r>
+            <a:r>
+              <a:rPr lang="en-US" altLang="zh-TW" sz="1200" dirty="0">
+                <a:solidFill>
+                  <a:srgbClr val="000000"/>
+                </a:solidFill>
+                <a:latin typeface="細明體" panose="02020509000000000000" pitchFamily="49" charset="-120"/>
+                <a:ea typeface="細明體" panose="02020509000000000000" pitchFamily="49" charset="-120"/>
+              </a:rPr>
+              <a:t>, </a:t>
+            </a:r>
+            <a:r>
+              <a:rPr lang="en-US" altLang="zh-TW" sz="1200" dirty="0" err="1">
+                <a:solidFill>
+                  <a:srgbClr val="000000"/>
+                </a:solidFill>
+                <a:latin typeface="細明體" panose="02020509000000000000" pitchFamily="49" charset="-120"/>
+                <a:ea typeface="細明體" panose="02020509000000000000" pitchFamily="49" charset="-120"/>
+              </a:rPr>
+              <a:t>InputHeight</a:t>
+            </a:r>
+            <a:r>
+              <a:rPr lang="en-US" altLang="zh-TW" sz="1200" dirty="0">
+                <a:solidFill>
+                  <a:srgbClr val="000000"/>
+                </a:solidFill>
+                <a:latin typeface="細明體" panose="02020509000000000000" pitchFamily="49" charset="-120"/>
+                <a:ea typeface="細明體" panose="02020509000000000000" pitchFamily="49" charset="-120"/>
+              </a:rPr>
+              <a:t>, </a:t>
+            </a:r>
+            <a:r>
+              <a:rPr lang="en-US" altLang="zh-TW" sz="1200" dirty="0" err="1">
+                <a:solidFill>
+                  <a:srgbClr val="000000"/>
+                </a:solidFill>
+                <a:latin typeface="細明體" panose="02020509000000000000" pitchFamily="49" charset="-120"/>
+                <a:ea typeface="細明體" panose="02020509000000000000" pitchFamily="49" charset="-120"/>
+              </a:rPr>
+              <a:t>InputWeight</a:t>
+            </a:r>
+            <a:r>
+              <a:rPr lang="en-US" altLang="zh-TW" sz="1200" dirty="0">
+                <a:solidFill>
+                  <a:srgbClr val="000000"/>
+                </a:solidFill>
+                <a:latin typeface="細明體" panose="02020509000000000000" pitchFamily="49" charset="-120"/>
+                <a:ea typeface="細明體" panose="02020509000000000000" pitchFamily="49" charset="-120"/>
+              </a:rPr>
+              <a:t>, </a:t>
+            </a:r>
+            <a:r>
+              <a:rPr lang="en-US" altLang="zh-TW" sz="1200" dirty="0" err="1">
+                <a:solidFill>
+                  <a:srgbClr val="000000"/>
+                </a:solidFill>
+                <a:latin typeface="細明體" panose="02020509000000000000" pitchFamily="49" charset="-120"/>
+                <a:ea typeface="細明體" panose="02020509000000000000" pitchFamily="49" charset="-120"/>
+              </a:rPr>
+              <a:t>InputBirthday</a:t>
+            </a:r>
+            <a:r>
+              <a:rPr lang="en-US" altLang="zh-TW" sz="1200" dirty="0">
+                <a:solidFill>
+                  <a:srgbClr val="000000"/>
+                </a:solidFill>
+                <a:latin typeface="細明體" panose="02020509000000000000" pitchFamily="49" charset="-120"/>
+                <a:ea typeface="細明體" panose="02020509000000000000" pitchFamily="49" charset="-120"/>
+              </a:rPr>
+              <a:t>;</a:t>
+            </a:r>
+          </a:p>
+          <a:p>
+            <a:r>
+              <a:rPr lang="en-US" altLang="zh-TW" sz="1200" dirty="0">
+                <a:solidFill>
+                  <a:srgbClr val="0000FF"/>
+                </a:solidFill>
+                <a:latin typeface="細明體" panose="02020509000000000000" pitchFamily="49" charset="-120"/>
+                <a:ea typeface="細明體" panose="02020509000000000000" pitchFamily="49" charset="-120"/>
+              </a:rPr>
+              <a:t>public</a:t>
+            </a:r>
+            <a:r>
+              <a:rPr lang="en-US" altLang="zh-TW" sz="1200" dirty="0">
+                <a:solidFill>
+                  <a:srgbClr val="000000"/>
+                </a:solidFill>
+                <a:latin typeface="細明體" panose="02020509000000000000" pitchFamily="49" charset="-120"/>
+                <a:ea typeface="細明體" panose="02020509000000000000" pitchFamily="49" charset="-120"/>
+              </a:rPr>
+              <a:t> Button </a:t>
+            </a:r>
+            <a:r>
+              <a:rPr lang="en-US" altLang="zh-TW" sz="1200" dirty="0" err="1">
+                <a:solidFill>
+                  <a:srgbClr val="000000"/>
+                </a:solidFill>
+                <a:latin typeface="細明體" panose="02020509000000000000" pitchFamily="49" charset="-120"/>
+                <a:ea typeface="細明體" panose="02020509000000000000" pitchFamily="49" charset="-120"/>
+              </a:rPr>
+              <a:t>SubmitButton</a:t>
+            </a:r>
+            <a:r>
+              <a:rPr lang="en-US" altLang="zh-TW" sz="1200" dirty="0">
+                <a:solidFill>
+                  <a:srgbClr val="000000"/>
+                </a:solidFill>
+                <a:latin typeface="細明體" panose="02020509000000000000" pitchFamily="49" charset="-120"/>
+                <a:ea typeface="細明體" panose="02020509000000000000" pitchFamily="49" charset="-120"/>
+              </a:rPr>
+              <a:t>;</a:t>
+            </a:r>
+          </a:p>
+          <a:p>
+            <a:r>
+              <a:rPr lang="en-US" altLang="zh-TW" sz="1200" dirty="0">
+                <a:solidFill>
+                  <a:srgbClr val="0000FF"/>
+                </a:solidFill>
+                <a:latin typeface="細明體" panose="02020509000000000000" pitchFamily="49" charset="-120"/>
+                <a:ea typeface="細明體" panose="02020509000000000000" pitchFamily="49" charset="-120"/>
+              </a:rPr>
+              <a:t>public</a:t>
+            </a:r>
+            <a:r>
+              <a:rPr lang="en-US" altLang="zh-TW" sz="1200" dirty="0">
+                <a:solidFill>
+                  <a:srgbClr val="000000"/>
+                </a:solidFill>
+                <a:latin typeface="細明體" panose="02020509000000000000" pitchFamily="49" charset="-120"/>
+                <a:ea typeface="細明體" panose="02020509000000000000" pitchFamily="49" charset="-120"/>
+              </a:rPr>
+              <a:t> Text </a:t>
+            </a:r>
+            <a:r>
+              <a:rPr lang="en-US" altLang="zh-TW" sz="1200" dirty="0" err="1">
+                <a:solidFill>
+                  <a:srgbClr val="000000"/>
+                </a:solidFill>
+                <a:latin typeface="細明體" panose="02020509000000000000" pitchFamily="49" charset="-120"/>
+                <a:ea typeface="細明體" panose="02020509000000000000" pitchFamily="49" charset="-120"/>
+              </a:rPr>
+              <a:t>CallBackMessage</a:t>
+            </a:r>
+            <a:r>
+              <a:rPr lang="en-US" altLang="zh-TW" sz="1200" dirty="0">
+                <a:solidFill>
+                  <a:srgbClr val="000000"/>
+                </a:solidFill>
+                <a:latin typeface="細明體" panose="02020509000000000000" pitchFamily="49" charset="-120"/>
+                <a:ea typeface="細明體" panose="02020509000000000000" pitchFamily="49" charset="-120"/>
+              </a:rPr>
+              <a:t>;</a:t>
+            </a:r>
+            <a:endParaRPr lang="zh-TW" altLang="en-US" sz="1200" dirty="0"/>
+          </a:p>
+        </p:txBody>
+      </p:sp>
       <p:pic>
         <p:nvPicPr>
-          <p:cNvPr id="23" name="圖片 22">
+          <p:cNvPr id="4" name="圖片 3">
             <a:extLst>
               <a:ext uri="{FF2B5EF4-FFF2-40B4-BE49-F238E27FC236}">
-                <a16:creationId xmlns:a16="http://schemas.microsoft.com/office/drawing/2014/main" id="{73FBFF15-1930-4C3F-B899-3FDF15BD42BE}"/>
+                <a16:creationId xmlns:a16="http://schemas.microsoft.com/office/drawing/2014/main" id="{B999EF39-5DF5-476B-B832-7527EAA3BE2C}"/>
               </a:ext>
             </a:extLst>
           </p:cNvPr>
@@ -7637,336 +7959,14 @@
         </p:blipFill>
         <p:spPr>
           <a:xfrm>
-            <a:off x="200016" y="911529"/>
-            <a:ext cx="7226857" cy="4857503"/>
+            <a:off x="7754501" y="658948"/>
+            <a:ext cx="4109871" cy="6015898"/>
           </a:xfrm>
           <a:prstGeom prst="rect">
             <a:avLst/>
           </a:prstGeom>
         </p:spPr>
       </p:pic>
-      <p:sp>
-        <p:nvSpPr>
-          <p:cNvPr id="25" name="文字方塊 24">
-            <a:extLst>
-              <a:ext uri="{FF2B5EF4-FFF2-40B4-BE49-F238E27FC236}">
-                <a16:creationId xmlns:a16="http://schemas.microsoft.com/office/drawing/2014/main" id="{6EC1297D-B54D-4FDE-A5F2-2A8CA68A315B}"/>
-              </a:ext>
-            </a:extLst>
-          </p:cNvPr>
-          <p:cNvSpPr txBox="1"/>
-          <p:nvPr/>
-        </p:nvSpPr>
-        <p:spPr>
-          <a:xfrm>
-            <a:off x="200016" y="5843849"/>
-            <a:ext cx="7226856" cy="830997"/>
-          </a:xfrm>
-          <a:prstGeom prst="rect">
-            <a:avLst/>
-          </a:prstGeom>
-          <a:solidFill>
-            <a:schemeClr val="bg1">
-              <a:lumMod val="85000"/>
-            </a:schemeClr>
-          </a:solidFill>
-        </p:spPr>
-        <p:txBody>
-          <a:bodyPr wrap="square">
-            <a:spAutoFit/>
-          </a:bodyPr>
-          <a:lstStyle/>
-          <a:p>
-            <a:r>
-              <a:rPr lang="en-US" altLang="zh-TW" sz="1200" dirty="0">
-                <a:solidFill>
-                  <a:srgbClr val="0000FF"/>
-                </a:solidFill>
-                <a:latin typeface="細明體" panose="02020509000000000000" pitchFamily="49" charset="-120"/>
-                <a:ea typeface="細明體" panose="02020509000000000000" pitchFamily="49" charset="-120"/>
-              </a:rPr>
-              <a:t>public</a:t>
-            </a:r>
-            <a:r>
-              <a:rPr lang="en-US" altLang="zh-TW" sz="1200" dirty="0">
-                <a:solidFill>
-                  <a:srgbClr val="000000"/>
-                </a:solidFill>
-                <a:latin typeface="細明體" panose="02020509000000000000" pitchFamily="49" charset="-120"/>
-                <a:ea typeface="細明體" panose="02020509000000000000" pitchFamily="49" charset="-120"/>
-              </a:rPr>
-              <a:t> </a:t>
-            </a:r>
-            <a:r>
-              <a:rPr lang="en-US" altLang="zh-TW" sz="1200" dirty="0" err="1">
-                <a:solidFill>
-                  <a:srgbClr val="000000"/>
-                </a:solidFill>
-                <a:latin typeface="細明體" panose="02020509000000000000" pitchFamily="49" charset="-120"/>
-                <a:ea typeface="細明體" panose="02020509000000000000" pitchFamily="49" charset="-120"/>
-              </a:rPr>
-              <a:t>ToggleGroup</a:t>
-            </a:r>
-            <a:r>
-              <a:rPr lang="en-US" altLang="zh-TW" sz="1200" dirty="0">
-                <a:solidFill>
-                  <a:srgbClr val="000000"/>
-                </a:solidFill>
-                <a:latin typeface="細明體" panose="02020509000000000000" pitchFamily="49" charset="-120"/>
-                <a:ea typeface="細明體" panose="02020509000000000000" pitchFamily="49" charset="-120"/>
-              </a:rPr>
-              <a:t> </a:t>
-            </a:r>
-            <a:r>
-              <a:rPr lang="en-US" altLang="zh-TW" sz="1200" dirty="0" err="1">
-                <a:solidFill>
-                  <a:srgbClr val="000000"/>
-                </a:solidFill>
-                <a:latin typeface="細明體" panose="02020509000000000000" pitchFamily="49" charset="-120"/>
-                <a:ea typeface="細明體" panose="02020509000000000000" pitchFamily="49" charset="-120"/>
-              </a:rPr>
-              <a:t>ToggleGroupGender</a:t>
-            </a:r>
-            <a:r>
-              <a:rPr lang="en-US" altLang="zh-TW" sz="1200" dirty="0">
-                <a:solidFill>
-                  <a:srgbClr val="000000"/>
-                </a:solidFill>
-                <a:latin typeface="細明體" panose="02020509000000000000" pitchFamily="49" charset="-120"/>
-                <a:ea typeface="細明體" panose="02020509000000000000" pitchFamily="49" charset="-120"/>
-              </a:rPr>
-              <a:t>;</a:t>
-            </a:r>
-          </a:p>
-          <a:p>
-            <a:r>
-              <a:rPr lang="en-US" altLang="zh-TW" sz="1200" dirty="0">
-                <a:solidFill>
-                  <a:srgbClr val="0000FF"/>
-                </a:solidFill>
-                <a:latin typeface="細明體" panose="02020509000000000000" pitchFamily="49" charset="-120"/>
-                <a:ea typeface="細明體" panose="02020509000000000000" pitchFamily="49" charset="-120"/>
-              </a:rPr>
-              <a:t>public</a:t>
-            </a:r>
-            <a:r>
-              <a:rPr lang="en-US" altLang="zh-TW" sz="1200" dirty="0">
-                <a:solidFill>
-                  <a:srgbClr val="000000"/>
-                </a:solidFill>
-                <a:latin typeface="細明體" panose="02020509000000000000" pitchFamily="49" charset="-120"/>
-                <a:ea typeface="細明體" panose="02020509000000000000" pitchFamily="49" charset="-120"/>
-              </a:rPr>
-              <a:t> </a:t>
-            </a:r>
-            <a:r>
-              <a:rPr lang="en-US" altLang="zh-TW" sz="1200" dirty="0" err="1">
-                <a:solidFill>
-                  <a:srgbClr val="000000"/>
-                </a:solidFill>
-                <a:latin typeface="細明體" panose="02020509000000000000" pitchFamily="49" charset="-120"/>
-                <a:ea typeface="細明體" panose="02020509000000000000" pitchFamily="49" charset="-120"/>
-              </a:rPr>
-              <a:t>InputField</a:t>
-            </a:r>
-            <a:r>
-              <a:rPr lang="en-US" altLang="zh-TW" sz="1200" dirty="0">
-                <a:solidFill>
-                  <a:srgbClr val="000000"/>
-                </a:solidFill>
-                <a:latin typeface="細明體" panose="02020509000000000000" pitchFamily="49" charset="-120"/>
-                <a:ea typeface="細明體" panose="02020509000000000000" pitchFamily="49" charset="-120"/>
-              </a:rPr>
-              <a:t> </a:t>
-            </a:r>
-            <a:r>
-              <a:rPr lang="en-US" altLang="zh-TW" sz="1200" dirty="0" err="1">
-                <a:solidFill>
-                  <a:srgbClr val="000000"/>
-                </a:solidFill>
-                <a:latin typeface="細明體" panose="02020509000000000000" pitchFamily="49" charset="-120"/>
-                <a:ea typeface="細明體" panose="02020509000000000000" pitchFamily="49" charset="-120"/>
-              </a:rPr>
-              <a:t>InputName</a:t>
-            </a:r>
-            <a:r>
-              <a:rPr lang="en-US" altLang="zh-TW" sz="1200" dirty="0">
-                <a:solidFill>
-                  <a:srgbClr val="000000"/>
-                </a:solidFill>
-                <a:latin typeface="細明體" panose="02020509000000000000" pitchFamily="49" charset="-120"/>
-                <a:ea typeface="細明體" panose="02020509000000000000" pitchFamily="49" charset="-120"/>
-              </a:rPr>
-              <a:t>, </a:t>
-            </a:r>
-            <a:r>
-              <a:rPr lang="en-US" altLang="zh-TW" sz="1200" dirty="0" err="1">
-                <a:solidFill>
-                  <a:srgbClr val="000000"/>
-                </a:solidFill>
-                <a:latin typeface="細明體" panose="02020509000000000000" pitchFamily="49" charset="-120"/>
-                <a:ea typeface="細明體" panose="02020509000000000000" pitchFamily="49" charset="-120"/>
-              </a:rPr>
-              <a:t>InputPassword</a:t>
-            </a:r>
-            <a:r>
-              <a:rPr lang="en-US" altLang="zh-TW" sz="1200" dirty="0">
-                <a:solidFill>
-                  <a:srgbClr val="000000"/>
-                </a:solidFill>
-                <a:latin typeface="細明體" panose="02020509000000000000" pitchFamily="49" charset="-120"/>
-                <a:ea typeface="細明體" panose="02020509000000000000" pitchFamily="49" charset="-120"/>
-              </a:rPr>
-              <a:t>, </a:t>
-            </a:r>
-            <a:r>
-              <a:rPr lang="en-US" altLang="zh-TW" sz="1200" dirty="0" err="1">
-                <a:solidFill>
-                  <a:srgbClr val="000000"/>
-                </a:solidFill>
-                <a:latin typeface="細明體" panose="02020509000000000000" pitchFamily="49" charset="-120"/>
-                <a:ea typeface="細明體" panose="02020509000000000000" pitchFamily="49" charset="-120"/>
-              </a:rPr>
-              <a:t>InputHeight</a:t>
-            </a:r>
-            <a:r>
-              <a:rPr lang="en-US" altLang="zh-TW" sz="1200" dirty="0">
-                <a:solidFill>
-                  <a:srgbClr val="000000"/>
-                </a:solidFill>
-                <a:latin typeface="細明體" panose="02020509000000000000" pitchFamily="49" charset="-120"/>
-                <a:ea typeface="細明體" panose="02020509000000000000" pitchFamily="49" charset="-120"/>
-              </a:rPr>
-              <a:t>, </a:t>
-            </a:r>
-            <a:r>
-              <a:rPr lang="en-US" altLang="zh-TW" sz="1200" dirty="0" err="1">
-                <a:solidFill>
-                  <a:srgbClr val="000000"/>
-                </a:solidFill>
-                <a:latin typeface="細明體" panose="02020509000000000000" pitchFamily="49" charset="-120"/>
-                <a:ea typeface="細明體" panose="02020509000000000000" pitchFamily="49" charset="-120"/>
-              </a:rPr>
-              <a:t>InputWeight</a:t>
-            </a:r>
-            <a:r>
-              <a:rPr lang="en-US" altLang="zh-TW" sz="1200" dirty="0">
-                <a:solidFill>
-                  <a:srgbClr val="000000"/>
-                </a:solidFill>
-                <a:latin typeface="細明體" panose="02020509000000000000" pitchFamily="49" charset="-120"/>
-                <a:ea typeface="細明體" panose="02020509000000000000" pitchFamily="49" charset="-120"/>
-              </a:rPr>
-              <a:t>, </a:t>
-            </a:r>
-            <a:r>
-              <a:rPr lang="en-US" altLang="zh-TW" sz="1200" dirty="0" err="1">
-                <a:solidFill>
-                  <a:srgbClr val="000000"/>
-                </a:solidFill>
-                <a:latin typeface="細明體" panose="02020509000000000000" pitchFamily="49" charset="-120"/>
-                <a:ea typeface="細明體" panose="02020509000000000000" pitchFamily="49" charset="-120"/>
-              </a:rPr>
-              <a:t>InputBirthday</a:t>
-            </a:r>
-            <a:r>
-              <a:rPr lang="en-US" altLang="zh-TW" sz="1200" dirty="0">
-                <a:solidFill>
-                  <a:srgbClr val="000000"/>
-                </a:solidFill>
-                <a:latin typeface="細明體" panose="02020509000000000000" pitchFamily="49" charset="-120"/>
-                <a:ea typeface="細明體" panose="02020509000000000000" pitchFamily="49" charset="-120"/>
-              </a:rPr>
-              <a:t>;</a:t>
-            </a:r>
-          </a:p>
-          <a:p>
-            <a:r>
-              <a:rPr lang="en-US" altLang="zh-TW" sz="1200" dirty="0">
-                <a:solidFill>
-                  <a:srgbClr val="0000FF"/>
-                </a:solidFill>
-                <a:latin typeface="細明體" panose="02020509000000000000" pitchFamily="49" charset="-120"/>
-                <a:ea typeface="細明體" panose="02020509000000000000" pitchFamily="49" charset="-120"/>
-              </a:rPr>
-              <a:t>public</a:t>
-            </a:r>
-            <a:r>
-              <a:rPr lang="en-US" altLang="zh-TW" sz="1200" dirty="0">
-                <a:solidFill>
-                  <a:srgbClr val="000000"/>
-                </a:solidFill>
-                <a:latin typeface="細明體" panose="02020509000000000000" pitchFamily="49" charset="-120"/>
-                <a:ea typeface="細明體" panose="02020509000000000000" pitchFamily="49" charset="-120"/>
-              </a:rPr>
-              <a:t> Button </a:t>
-            </a:r>
-            <a:r>
-              <a:rPr lang="en-US" altLang="zh-TW" sz="1200" dirty="0" err="1">
-                <a:solidFill>
-                  <a:srgbClr val="000000"/>
-                </a:solidFill>
-                <a:latin typeface="細明體" panose="02020509000000000000" pitchFamily="49" charset="-120"/>
-                <a:ea typeface="細明體" panose="02020509000000000000" pitchFamily="49" charset="-120"/>
-              </a:rPr>
-              <a:t>SubmitButton</a:t>
-            </a:r>
-            <a:r>
-              <a:rPr lang="en-US" altLang="zh-TW" sz="1200" dirty="0">
-                <a:solidFill>
-                  <a:srgbClr val="000000"/>
-                </a:solidFill>
-                <a:latin typeface="細明體" panose="02020509000000000000" pitchFamily="49" charset="-120"/>
-                <a:ea typeface="細明體" panose="02020509000000000000" pitchFamily="49" charset="-120"/>
-              </a:rPr>
-              <a:t>;</a:t>
-            </a:r>
-          </a:p>
-          <a:p>
-            <a:r>
-              <a:rPr lang="en-US" altLang="zh-TW" sz="1200" dirty="0">
-                <a:solidFill>
-                  <a:srgbClr val="0000FF"/>
-                </a:solidFill>
-                <a:latin typeface="細明體" panose="02020509000000000000" pitchFamily="49" charset="-120"/>
-                <a:ea typeface="細明體" panose="02020509000000000000" pitchFamily="49" charset="-120"/>
-              </a:rPr>
-              <a:t>public</a:t>
-            </a:r>
-            <a:r>
-              <a:rPr lang="en-US" altLang="zh-TW" sz="1200" dirty="0">
-                <a:solidFill>
-                  <a:srgbClr val="000000"/>
-                </a:solidFill>
-                <a:latin typeface="細明體" panose="02020509000000000000" pitchFamily="49" charset="-120"/>
-                <a:ea typeface="細明體" panose="02020509000000000000" pitchFamily="49" charset="-120"/>
-              </a:rPr>
-              <a:t> Text </a:t>
-            </a:r>
-            <a:r>
-              <a:rPr lang="en-US" altLang="zh-TW" sz="1200" dirty="0" err="1">
-                <a:solidFill>
-                  <a:srgbClr val="000000"/>
-                </a:solidFill>
-                <a:latin typeface="細明體" panose="02020509000000000000" pitchFamily="49" charset="-120"/>
-                <a:ea typeface="細明體" panose="02020509000000000000" pitchFamily="49" charset="-120"/>
-              </a:rPr>
-              <a:t>CallBackMessage</a:t>
-            </a:r>
-            <a:r>
-              <a:rPr lang="en-US" altLang="zh-TW" sz="1200" dirty="0">
-                <a:solidFill>
-                  <a:srgbClr val="000000"/>
-                </a:solidFill>
-                <a:latin typeface="細明體" panose="02020509000000000000" pitchFamily="49" charset="-120"/>
-                <a:ea typeface="細明體" panose="02020509000000000000" pitchFamily="49" charset="-120"/>
-              </a:rPr>
-              <a:t>;</a:t>
-            </a:r>
-            <a:endParaRPr lang="zh-TW" altLang="en-US" sz="1200" dirty="0"/>
-          </a:p>
-        </p:txBody>
-      </p:sp>
     </p:spTree>
     <p:extLst>
       <p:ext uri="{BB962C8B-B14F-4D97-AF65-F5344CB8AC3E}">
